--- a/pslides/05_summarize.pptx
+++ b/pslides/05_summarize.pptx
@@ -198,7 +198,7 @@
           <a:p>
             <a:fld id="{067B1328-FBA7-A54A-86BE-4FAFCAA9311A}" type="datetimeFigureOut">
               <a:rPr lang="en-US" smtClean="0"/>
-              <a:t>9/9/21</a:t>
+              <a:t>11/26/23</a:t>
             </a:fld>
             <a:endParaRPr lang="en-US"/>
           </a:p>
@@ -781,7 +781,7 @@
           <a:p>
             <a:fld id="{7B9169B0-A344-9A43-AAD5-682508993835}" type="datetimeFigureOut">
               <a:rPr lang="fr-FR" smtClean="0"/>
-              <a:t>09/09/2021</a:t>
+              <a:t>26/11/2023</a:t>
             </a:fld>
             <a:endParaRPr lang="fr-FR"/>
           </a:p>
@@ -979,7 +979,7 @@
           <a:p>
             <a:fld id="{7B9169B0-A344-9A43-AAD5-682508993835}" type="datetimeFigureOut">
               <a:rPr lang="fr-FR" smtClean="0"/>
-              <a:t>09/09/2021</a:t>
+              <a:t>26/11/2023</a:t>
             </a:fld>
             <a:endParaRPr lang="fr-FR"/>
           </a:p>
@@ -1187,7 +1187,7 @@
           <a:p>
             <a:fld id="{7B9169B0-A344-9A43-AAD5-682508993835}" type="datetimeFigureOut">
               <a:rPr lang="fr-FR" smtClean="0"/>
-              <a:t>09/09/2021</a:t>
+              <a:t>26/11/2023</a:t>
             </a:fld>
             <a:endParaRPr lang="fr-FR"/>
           </a:p>
@@ -1385,7 +1385,7 @@
           <a:p>
             <a:fld id="{7B9169B0-A344-9A43-AAD5-682508993835}" type="datetimeFigureOut">
               <a:rPr lang="fr-FR" smtClean="0"/>
-              <a:t>09/09/2021</a:t>
+              <a:t>26/11/2023</a:t>
             </a:fld>
             <a:endParaRPr lang="fr-FR"/>
           </a:p>
@@ -1660,7 +1660,7 @@
           <a:p>
             <a:fld id="{7B9169B0-A344-9A43-AAD5-682508993835}" type="datetimeFigureOut">
               <a:rPr lang="fr-FR" smtClean="0"/>
-              <a:t>09/09/2021</a:t>
+              <a:t>26/11/2023</a:t>
             </a:fld>
             <a:endParaRPr lang="fr-FR"/>
           </a:p>
@@ -1925,7 +1925,7 @@
           <a:p>
             <a:fld id="{7B9169B0-A344-9A43-AAD5-682508993835}" type="datetimeFigureOut">
               <a:rPr lang="fr-FR" smtClean="0"/>
-              <a:t>09/09/2021</a:t>
+              <a:t>26/11/2023</a:t>
             </a:fld>
             <a:endParaRPr lang="fr-FR"/>
           </a:p>
@@ -2337,7 +2337,7 @@
           <a:p>
             <a:fld id="{7B9169B0-A344-9A43-AAD5-682508993835}" type="datetimeFigureOut">
               <a:rPr lang="fr-FR" smtClean="0"/>
-              <a:t>09/09/2021</a:t>
+              <a:t>26/11/2023</a:t>
             </a:fld>
             <a:endParaRPr lang="fr-FR"/>
           </a:p>
@@ -2478,7 +2478,7 @@
           <a:p>
             <a:fld id="{7B9169B0-A344-9A43-AAD5-682508993835}" type="datetimeFigureOut">
               <a:rPr lang="fr-FR" smtClean="0"/>
-              <a:t>09/09/2021</a:t>
+              <a:t>26/11/2023</a:t>
             </a:fld>
             <a:endParaRPr lang="fr-FR"/>
           </a:p>
@@ -2591,7 +2591,7 @@
           <a:p>
             <a:fld id="{7B9169B0-A344-9A43-AAD5-682508993835}" type="datetimeFigureOut">
               <a:rPr lang="fr-FR" smtClean="0"/>
-              <a:t>09/09/2021</a:t>
+              <a:t>26/11/2023</a:t>
             </a:fld>
             <a:endParaRPr lang="fr-FR"/>
           </a:p>
@@ -2902,7 +2902,7 @@
           <a:p>
             <a:fld id="{7B9169B0-A344-9A43-AAD5-682508993835}" type="datetimeFigureOut">
               <a:rPr lang="fr-FR" smtClean="0"/>
-              <a:t>09/09/2021</a:t>
+              <a:t>26/11/2023</a:t>
             </a:fld>
             <a:endParaRPr lang="fr-FR"/>
           </a:p>
@@ -3190,7 +3190,7 @@
           <a:p>
             <a:fld id="{7B9169B0-A344-9A43-AAD5-682508993835}" type="datetimeFigureOut">
               <a:rPr lang="fr-FR" smtClean="0"/>
-              <a:t>09/09/2021</a:t>
+              <a:t>26/11/2023</a:t>
             </a:fld>
             <a:endParaRPr lang="fr-FR"/>
           </a:p>
@@ -3431,7 +3431,7 @@
           <a:p>
             <a:fld id="{7B9169B0-A344-9A43-AAD5-682508993835}" type="datetimeFigureOut">
               <a:rPr lang="fr-FR" smtClean="0"/>
-              <a:t>09/09/2021</a:t>
+              <a:t>26/11/2023</a:t>
             </a:fld>
             <a:endParaRPr lang="fr-FR"/>
           </a:p>
